--- a/crypt_lab_1/lab_1.pptx
+++ b/crypt_lab_1/lab_1.pptx
@@ -2,7 +2,7 @@
 <file path=ppt/presentation.xml><?xml version="1.0" encoding="utf-8"?>
 <p:presentation xmlns:a="http://schemas.openxmlformats.org/drawingml/2006/main" xmlns:r="http://schemas.openxmlformats.org/officeDocument/2006/relationships" xmlns:p="http://schemas.openxmlformats.org/presentationml/2006/main" saveSubsetFonts="1" autoCompressPictures="0">
   <p:sldMasterIdLst>
-    <p:sldMasterId id="2147484065" r:id="rId1"/>
+    <p:sldMasterId id="2147484133" r:id="rId1"/>
   </p:sldMasterIdLst>
   <p:sldIdLst>
     <p:sldId id="256" r:id="rId2"/>
@@ -933,7 +933,7 @@
     </p:spTree>
     <p:extLst>
       <p:ext uri="{BB962C8B-B14F-4D97-AF65-F5344CB8AC3E}">
-        <p14:creationId xmlns:p14="http://schemas.microsoft.com/office/powerpoint/2010/main" val="2941300269"/>
+        <p14:creationId xmlns:p14="http://schemas.microsoft.com/office/powerpoint/2010/main" val="2397432959"/>
       </p:ext>
     </p:extLst>
   </p:cSld>
@@ -1184,7 +1184,7 @@
     </p:spTree>
     <p:extLst>
       <p:ext uri="{BB962C8B-B14F-4D97-AF65-F5344CB8AC3E}">
-        <p14:creationId xmlns:p14="http://schemas.microsoft.com/office/powerpoint/2010/main" val="2494868731"/>
+        <p14:creationId xmlns:p14="http://schemas.microsoft.com/office/powerpoint/2010/main" val="3865669745"/>
       </p:ext>
     </p:extLst>
   </p:cSld>
@@ -1580,7 +1580,7 @@
     </p:spTree>
     <p:extLst>
       <p:ext uri="{BB962C8B-B14F-4D97-AF65-F5344CB8AC3E}">
-        <p14:creationId xmlns:p14="http://schemas.microsoft.com/office/powerpoint/2010/main" val="2496027339"/>
+        <p14:creationId xmlns:p14="http://schemas.microsoft.com/office/powerpoint/2010/main" val="3507300708"/>
       </p:ext>
     </p:extLst>
   </p:cSld>
@@ -1831,7 +1831,7 @@
     </p:spTree>
     <p:extLst>
       <p:ext uri="{BB962C8B-B14F-4D97-AF65-F5344CB8AC3E}">
-        <p14:creationId xmlns:p14="http://schemas.microsoft.com/office/powerpoint/2010/main" val="1359452856"/>
+        <p14:creationId xmlns:p14="http://schemas.microsoft.com/office/powerpoint/2010/main" val="2603821799"/>
       </p:ext>
     </p:extLst>
   </p:cSld>
@@ -2227,7 +2227,7 @@
     </p:spTree>
     <p:extLst>
       <p:ext uri="{BB962C8B-B14F-4D97-AF65-F5344CB8AC3E}">
-        <p14:creationId xmlns:p14="http://schemas.microsoft.com/office/powerpoint/2010/main" val="719255305"/>
+        <p14:creationId xmlns:p14="http://schemas.microsoft.com/office/powerpoint/2010/main" val="3345259803"/>
       </p:ext>
     </p:extLst>
   </p:cSld>
@@ -2538,7 +2538,7 @@
     </p:spTree>
     <p:extLst>
       <p:ext uri="{BB962C8B-B14F-4D97-AF65-F5344CB8AC3E}">
-        <p14:creationId xmlns:p14="http://schemas.microsoft.com/office/powerpoint/2010/main" val="2102273150"/>
+        <p14:creationId xmlns:p14="http://schemas.microsoft.com/office/powerpoint/2010/main" val="3952296554"/>
       </p:ext>
     </p:extLst>
   </p:cSld>
@@ -2708,7 +2708,7 @@
     </p:spTree>
     <p:extLst>
       <p:ext uri="{BB962C8B-B14F-4D97-AF65-F5344CB8AC3E}">
-        <p14:creationId xmlns:p14="http://schemas.microsoft.com/office/powerpoint/2010/main" val="3884840061"/>
+        <p14:creationId xmlns:p14="http://schemas.microsoft.com/office/powerpoint/2010/main" val="1397832139"/>
       </p:ext>
     </p:extLst>
   </p:cSld>
@@ -2888,7 +2888,7 @@
     </p:spTree>
     <p:extLst>
       <p:ext uri="{BB962C8B-B14F-4D97-AF65-F5344CB8AC3E}">
-        <p14:creationId xmlns:p14="http://schemas.microsoft.com/office/powerpoint/2010/main" val="2405830315"/>
+        <p14:creationId xmlns:p14="http://schemas.microsoft.com/office/powerpoint/2010/main" val="1986829020"/>
       </p:ext>
     </p:extLst>
   </p:cSld>
@@ -3058,7 +3058,7 @@
     </p:spTree>
     <p:extLst>
       <p:ext uri="{BB962C8B-B14F-4D97-AF65-F5344CB8AC3E}">
-        <p14:creationId xmlns:p14="http://schemas.microsoft.com/office/powerpoint/2010/main" val="2793746520"/>
+        <p14:creationId xmlns:p14="http://schemas.microsoft.com/office/powerpoint/2010/main" val="1781548123"/>
       </p:ext>
     </p:extLst>
   </p:cSld>
@@ -3305,7 +3305,7 @@
     </p:spTree>
     <p:extLst>
       <p:ext uri="{BB962C8B-B14F-4D97-AF65-F5344CB8AC3E}">
-        <p14:creationId xmlns:p14="http://schemas.microsoft.com/office/powerpoint/2010/main" val="3488289897"/>
+        <p14:creationId xmlns:p14="http://schemas.microsoft.com/office/powerpoint/2010/main" val="2746569105"/>
       </p:ext>
     </p:extLst>
   </p:cSld>
@@ -3537,7 +3537,7 @@
     </p:spTree>
     <p:extLst>
       <p:ext uri="{BB962C8B-B14F-4D97-AF65-F5344CB8AC3E}">
-        <p14:creationId xmlns:p14="http://schemas.microsoft.com/office/powerpoint/2010/main" val="833805667"/>
+        <p14:creationId xmlns:p14="http://schemas.microsoft.com/office/powerpoint/2010/main" val="381291730"/>
       </p:ext>
     </p:extLst>
   </p:cSld>
@@ -3911,7 +3911,7 @@
     </p:spTree>
     <p:extLst>
       <p:ext uri="{BB962C8B-B14F-4D97-AF65-F5344CB8AC3E}">
-        <p14:creationId xmlns:p14="http://schemas.microsoft.com/office/powerpoint/2010/main" val="2596822399"/>
+        <p14:creationId xmlns:p14="http://schemas.microsoft.com/office/powerpoint/2010/main" val="3761813056"/>
       </p:ext>
     </p:extLst>
   </p:cSld>
@@ -4034,7 +4034,7 @@
     </p:spTree>
     <p:extLst>
       <p:ext uri="{BB962C8B-B14F-4D97-AF65-F5344CB8AC3E}">
-        <p14:creationId xmlns:p14="http://schemas.microsoft.com/office/powerpoint/2010/main" val="1556584276"/>
+        <p14:creationId xmlns:p14="http://schemas.microsoft.com/office/powerpoint/2010/main" val="3780992634"/>
       </p:ext>
     </p:extLst>
   </p:cSld>
@@ -4129,7 +4129,7 @@
     </p:spTree>
     <p:extLst>
       <p:ext uri="{BB962C8B-B14F-4D97-AF65-F5344CB8AC3E}">
-        <p14:creationId xmlns:p14="http://schemas.microsoft.com/office/powerpoint/2010/main" val="359973808"/>
+        <p14:creationId xmlns:p14="http://schemas.microsoft.com/office/powerpoint/2010/main" val="3364118988"/>
       </p:ext>
     </p:extLst>
   </p:cSld>
@@ -4384,7 +4384,7 @@
     </p:spTree>
     <p:extLst>
       <p:ext uri="{BB962C8B-B14F-4D97-AF65-F5344CB8AC3E}">
-        <p14:creationId xmlns:p14="http://schemas.microsoft.com/office/powerpoint/2010/main" val="1475421509"/>
+        <p14:creationId xmlns:p14="http://schemas.microsoft.com/office/powerpoint/2010/main" val="3076582996"/>
       </p:ext>
     </p:extLst>
   </p:cSld>
@@ -4647,7 +4647,7 @@
     </p:spTree>
     <p:extLst>
       <p:ext uri="{BB962C8B-B14F-4D97-AF65-F5344CB8AC3E}">
-        <p14:creationId xmlns:p14="http://schemas.microsoft.com/office/powerpoint/2010/main" val="828529248"/>
+        <p14:creationId xmlns:p14="http://schemas.microsoft.com/office/powerpoint/2010/main" val="2054444134"/>
       </p:ext>
     </p:extLst>
   </p:cSld>
@@ -5427,7 +5427,7 @@
           <p:cNvPr id="18" name="Picture 7">
             <a:extLst>
               <a:ext uri="{FF2B5EF4-FFF2-40B4-BE49-F238E27FC236}">
-                <a16:creationId xmlns="" xmlns:a16="http://schemas.microsoft.com/office/drawing/2014/main" id="{0B6AED4E-2349-D041-A6F7-5BD50A733E7D}"/>
+                <a16:creationId xmlns:a16="http://schemas.microsoft.com/office/drawing/2014/main" xmlns="" id="{0B6AED4E-2349-D041-A6F7-5BD50A733E7D}"/>
               </a:ext>
             </a:extLst>
           </p:cNvPr>
@@ -5455,28 +5455,28 @@
     </p:spTree>
     <p:extLst>
       <p:ext uri="{BB962C8B-B14F-4D97-AF65-F5344CB8AC3E}">
-        <p14:creationId xmlns:p14="http://schemas.microsoft.com/office/powerpoint/2010/main" val="3633881600"/>
+        <p14:creationId xmlns:p14="http://schemas.microsoft.com/office/powerpoint/2010/main" val="712285542"/>
       </p:ext>
     </p:extLst>
   </p:cSld>
   <p:clrMap bg1="lt1" tx1="dk1" bg2="lt2" tx2="dk2" accent1="accent1" accent2="accent2" accent3="accent3" accent4="accent4" accent5="accent5" accent6="accent6" hlink="hlink" folHlink="folHlink"/>
   <p:sldLayoutIdLst>
-    <p:sldLayoutId id="2147484066" r:id="rId1"/>
-    <p:sldLayoutId id="2147484067" r:id="rId2"/>
-    <p:sldLayoutId id="2147484068" r:id="rId3"/>
-    <p:sldLayoutId id="2147484069" r:id="rId4"/>
-    <p:sldLayoutId id="2147484070" r:id="rId5"/>
-    <p:sldLayoutId id="2147484071" r:id="rId6"/>
-    <p:sldLayoutId id="2147484072" r:id="rId7"/>
-    <p:sldLayoutId id="2147484073" r:id="rId8"/>
-    <p:sldLayoutId id="2147484074" r:id="rId9"/>
-    <p:sldLayoutId id="2147484075" r:id="rId10"/>
-    <p:sldLayoutId id="2147484076" r:id="rId11"/>
-    <p:sldLayoutId id="2147484077" r:id="rId12"/>
-    <p:sldLayoutId id="2147484078" r:id="rId13"/>
-    <p:sldLayoutId id="2147484079" r:id="rId14"/>
-    <p:sldLayoutId id="2147484080" r:id="rId15"/>
-    <p:sldLayoutId id="2147484081" r:id="rId16"/>
+    <p:sldLayoutId id="2147484134" r:id="rId1"/>
+    <p:sldLayoutId id="2147484135" r:id="rId2"/>
+    <p:sldLayoutId id="2147484136" r:id="rId3"/>
+    <p:sldLayoutId id="2147484137" r:id="rId4"/>
+    <p:sldLayoutId id="2147484138" r:id="rId5"/>
+    <p:sldLayoutId id="2147484139" r:id="rId6"/>
+    <p:sldLayoutId id="2147484140" r:id="rId7"/>
+    <p:sldLayoutId id="2147484141" r:id="rId8"/>
+    <p:sldLayoutId id="2147484142" r:id="rId9"/>
+    <p:sldLayoutId id="2147484143" r:id="rId10"/>
+    <p:sldLayoutId id="2147484144" r:id="rId11"/>
+    <p:sldLayoutId id="2147484145" r:id="rId12"/>
+    <p:sldLayoutId id="2147484146" r:id="rId13"/>
+    <p:sldLayoutId id="2147484147" r:id="rId14"/>
+    <p:sldLayoutId id="2147484148" r:id="rId15"/>
+    <p:sldLayoutId id="2147484149" r:id="rId16"/>
   </p:sldLayoutIdLst>
   <p:txStyles>
     <p:titleStyle>
@@ -5913,7 +5913,7 @@
           <p:cNvPr id="2" name="Title 1">
             <a:extLst>
               <a:ext uri="{FF2B5EF4-FFF2-40B4-BE49-F238E27FC236}">
-                <a16:creationId xmlns="" xmlns:a16="http://schemas.microsoft.com/office/drawing/2014/main" id="{24207945-0F01-2F4A-9D23-55290EE12082}"/>
+                <a16:creationId xmlns:a16="http://schemas.microsoft.com/office/drawing/2014/main" xmlns="" id="{24207945-0F01-2F4A-9D23-55290EE12082}"/>
               </a:ext>
             </a:extLst>
           </p:cNvPr>
@@ -5943,14 +5943,38 @@
                 <a:ea typeface="Samsung Sharp Sans" pitchFamily="2" charset="-52"/>
                 <a:cs typeface="Lato Semibold" panose="020F0502020204030203" pitchFamily="34" charset="0"/>
               </a:rPr>
-              <a:t>Проект политики информационной безопасности Р</a:t>
-            </a:r>
-            <a:r>
-              <a:rPr lang="ru-RU" sz="4000" dirty="0" smtClean="0">
+              <a:t>Проект политики информационной </a:t>
+            </a:r>
+            <a:r>
+              <a:rPr lang="ru-RU" sz="4000" smtClean="0">
+                <a:latin typeface="Lato Semibold" panose="020F0502020204030203" pitchFamily="34" charset="0"/>
+                <a:ea typeface="Samsung Sharp Sans" pitchFamily="2" charset="-52"/>
+                <a:cs typeface="Lato Semibold" panose="020F0502020204030203" pitchFamily="34" charset="0"/>
+              </a:rPr>
+              <a:t>безопасности </a:t>
+            </a:r>
+            <a:r>
+              <a:rPr lang="ru-RU" sz="4000">
+                <a:latin typeface="Lato Semibold" panose="020F0502020204030203" pitchFamily="34" charset="0"/>
+                <a:ea typeface="Samsung Sharp Sans" pitchFamily="2" charset="-52"/>
+                <a:cs typeface="Lato Semibold" panose="020F0502020204030203" pitchFamily="34" charset="0"/>
+              </a:rPr>
+              <a:t>р</a:t>
+            </a:r>
+            <a:r>
+              <a:rPr lang="ru-RU" sz="4000" smtClean="0">
                 <a:latin typeface="Lato Semibold" panose="020F0502020204030203" pitchFamily="34" charset="0"/>
                 <a:cs typeface="Lato Semibold" panose="020F0502020204030203" pitchFamily="34" charset="0"/>
               </a:rPr>
               <a:t>иэлтерской</a:t>
+            </a:r>
+            <a:r>
+              <a:rPr lang="ru-RU" sz="4000" smtClean="0">
+                <a:latin typeface="Lato Semibold" panose="020F0502020204030203" pitchFamily="34" charset="0"/>
+                <a:ea typeface="Samsung Sharp Sans" pitchFamily="2" charset="-52"/>
+                <a:cs typeface="Lato Semibold" panose="020F0502020204030203" pitchFamily="34" charset="0"/>
+              </a:rPr>
+              <a:t> </a:t>
             </a:r>
             <a:r>
               <a:rPr lang="ru-RU" sz="4000" dirty="0" smtClean="0">
@@ -5958,7 +5982,7 @@
                 <a:ea typeface="Samsung Sharp Sans" pitchFamily="2" charset="-52"/>
                 <a:cs typeface="Lato Semibold" panose="020F0502020204030203" pitchFamily="34" charset="0"/>
               </a:rPr>
-              <a:t> компании</a:t>
+              <a:t>компании</a:t>
             </a:r>
             <a:endParaRPr lang="x-none" sz="4000" dirty="0">
               <a:latin typeface="Lato Semibold" panose="020F0502020204030203" pitchFamily="34" charset="0"/>
@@ -5973,7 +5997,7 @@
           <p:cNvPr id="3" name="Subtitle 2">
             <a:extLst>
               <a:ext uri="{FF2B5EF4-FFF2-40B4-BE49-F238E27FC236}">
-                <a16:creationId xmlns="" xmlns:a16="http://schemas.microsoft.com/office/drawing/2014/main" id="{65CF5BB6-568A-4B40-B211-09A38F949B0C}"/>
+                <a16:creationId xmlns:a16="http://schemas.microsoft.com/office/drawing/2014/main" xmlns="" id="{65CF5BB6-568A-4B40-B211-09A38F949B0C}"/>
               </a:ext>
             </a:extLst>
           </p:cNvPr>
@@ -6014,23 +6038,7 @@
                 <a:ea typeface="SamsungOne 400" panose="020B0503030303020204" pitchFamily="34" charset="0"/>
                 <a:cs typeface="Times New Roman" panose="02020603050405020304" pitchFamily="18" charset="0"/>
               </a:rPr>
-              <a:t>Герман Александр </a:t>
-            </a:r>
-            <a:r>
-              <a:rPr lang="ru-RU" sz="2000" dirty="0" smtClean="0">
-                <a:latin typeface="Times New Roman" panose="02020603050405020304" pitchFamily="18" charset="0"/>
-                <a:ea typeface="SamsungOne 400" panose="020B0503030303020204" pitchFamily="34" charset="0"/>
-                <a:cs typeface="Times New Roman" panose="02020603050405020304" pitchFamily="18" charset="0"/>
-              </a:rPr>
-              <a:t>Евгеньевич, </a:t>
-            </a:r>
-            <a:r>
-              <a:rPr lang="ru-RU" sz="2000" dirty="0" smtClean="0">
-                <a:latin typeface="Times New Roman" panose="02020603050405020304" pitchFamily="18" charset="0"/>
-                <a:ea typeface="SamsungOne 400" panose="020B0503030303020204" pitchFamily="34" charset="0"/>
-                <a:cs typeface="Times New Roman" panose="02020603050405020304" pitchFamily="18" charset="0"/>
-              </a:rPr>
-              <a:t>3 курс ПОИТ-4</a:t>
+              <a:t>Герман Александр Евгеньевич, 3 курс ПОИТ-4</a:t>
             </a:r>
           </a:p>
           <a:p>
@@ -7745,28 +7753,28 @@
                 <a:gridCol w="5988162">
                   <a:extLst>
                     <a:ext uri="{9D8B030D-6E8A-4147-A177-3AD203B41FA5}">
-                      <a16:colId xmlns="" xmlns:a16="http://schemas.microsoft.com/office/drawing/2014/main" val="20000"/>
+                      <a16:colId xmlns:a16="http://schemas.microsoft.com/office/drawing/2014/main" xmlns="" val="20000"/>
                     </a:ext>
                   </a:extLst>
                 </a:gridCol>
                 <a:gridCol w="1410479">
                   <a:extLst>
                     <a:ext uri="{9D8B030D-6E8A-4147-A177-3AD203B41FA5}">
-                      <a16:colId xmlns="" xmlns:a16="http://schemas.microsoft.com/office/drawing/2014/main" val="20001"/>
+                      <a16:colId xmlns:a16="http://schemas.microsoft.com/office/drawing/2014/main" xmlns="" val="20001"/>
                     </a:ext>
                   </a:extLst>
                 </a:gridCol>
                 <a:gridCol w="2037237">
                   <a:extLst>
                     <a:ext uri="{9D8B030D-6E8A-4147-A177-3AD203B41FA5}">
-                      <a16:colId xmlns="" xmlns:a16="http://schemas.microsoft.com/office/drawing/2014/main" val="20002"/>
+                      <a16:colId xmlns:a16="http://schemas.microsoft.com/office/drawing/2014/main" xmlns="" val="20002"/>
                     </a:ext>
                   </a:extLst>
                 </a:gridCol>
                 <a:gridCol w="1260145">
                   <a:extLst>
                     <a:ext uri="{9D8B030D-6E8A-4147-A177-3AD203B41FA5}">
-                      <a16:colId xmlns="" xmlns:a16="http://schemas.microsoft.com/office/drawing/2014/main" val="20003"/>
+                      <a16:colId xmlns:a16="http://schemas.microsoft.com/office/drawing/2014/main" xmlns="" val="20003"/>
                     </a:ext>
                   </a:extLst>
                 </a:gridCol>
@@ -7974,7 +7982,7 @@
                 </a:tc>
                 <a:extLst>
                   <a:ext uri="{0D108BD9-81ED-4DB2-BD59-A6C34878D82A}">
-                    <a16:rowId xmlns="" xmlns:a16="http://schemas.microsoft.com/office/drawing/2014/main" val="10000"/>
+                    <a16:rowId xmlns:a16="http://schemas.microsoft.com/office/drawing/2014/main" xmlns="" val="10000"/>
                   </a:ext>
                 </a:extLst>
               </a:tr>
@@ -8232,7 +8240,7 @@
                 </a:tc>
                 <a:extLst>
                   <a:ext uri="{0D108BD9-81ED-4DB2-BD59-A6C34878D82A}">
-                    <a16:rowId xmlns="" xmlns:a16="http://schemas.microsoft.com/office/drawing/2014/main" val="10001"/>
+                    <a16:rowId xmlns:a16="http://schemas.microsoft.com/office/drawing/2014/main" xmlns="" val="10001"/>
                   </a:ext>
                 </a:extLst>
               </a:tr>
@@ -8490,7 +8498,7 @@
                 </a:tc>
                 <a:extLst>
                   <a:ext uri="{0D108BD9-81ED-4DB2-BD59-A6C34878D82A}">
-                    <a16:rowId xmlns="" xmlns:a16="http://schemas.microsoft.com/office/drawing/2014/main" val="10002"/>
+                    <a16:rowId xmlns:a16="http://schemas.microsoft.com/office/drawing/2014/main" xmlns="" val="10002"/>
                   </a:ext>
                 </a:extLst>
               </a:tr>
@@ -8766,7 +8774,7 @@
                 </a:tc>
                 <a:extLst>
                   <a:ext uri="{0D108BD9-81ED-4DB2-BD59-A6C34878D82A}">
-                    <a16:rowId xmlns="" xmlns:a16="http://schemas.microsoft.com/office/drawing/2014/main" val="10003"/>
+                    <a16:rowId xmlns:a16="http://schemas.microsoft.com/office/drawing/2014/main" xmlns="" val="10003"/>
                   </a:ext>
                 </a:extLst>
               </a:tr>
@@ -9024,7 +9032,7 @@
                 </a:tc>
                 <a:extLst>
                   <a:ext uri="{0D108BD9-81ED-4DB2-BD59-A6C34878D82A}">
-                    <a16:rowId xmlns="" xmlns:a16="http://schemas.microsoft.com/office/drawing/2014/main" val="10004"/>
+                    <a16:rowId xmlns:a16="http://schemas.microsoft.com/office/drawing/2014/main" xmlns="" val="10004"/>
                   </a:ext>
                 </a:extLst>
               </a:tr>
@@ -9290,7 +9298,7 @@
                 </a:tc>
                 <a:extLst>
                   <a:ext uri="{0D108BD9-81ED-4DB2-BD59-A6C34878D82A}">
-                    <a16:rowId xmlns="" xmlns:a16="http://schemas.microsoft.com/office/drawing/2014/main" val="10006"/>
+                    <a16:rowId xmlns:a16="http://schemas.microsoft.com/office/drawing/2014/main" xmlns="" val="10006"/>
                   </a:ext>
                 </a:extLst>
               </a:tr>
@@ -9548,7 +9556,7 @@
                 </a:tc>
                 <a:extLst>
                   <a:ext uri="{0D108BD9-81ED-4DB2-BD59-A6C34878D82A}">
-                    <a16:rowId xmlns="" xmlns:a16="http://schemas.microsoft.com/office/drawing/2014/main" val="10007"/>
+                    <a16:rowId xmlns:a16="http://schemas.microsoft.com/office/drawing/2014/main" xmlns="" val="10007"/>
                   </a:ext>
                 </a:extLst>
               </a:tr>
@@ -9806,7 +9814,7 @@
                 </a:tc>
                 <a:extLst>
                   <a:ext uri="{0D108BD9-81ED-4DB2-BD59-A6C34878D82A}">
-                    <a16:rowId xmlns="" xmlns:a16="http://schemas.microsoft.com/office/drawing/2014/main" val="10008"/>
+                    <a16:rowId xmlns:a16="http://schemas.microsoft.com/office/drawing/2014/main" xmlns="" val="10008"/>
                   </a:ext>
                 </a:extLst>
               </a:tr>
@@ -10064,7 +10072,7 @@
                 </a:tc>
                 <a:extLst>
                   <a:ext uri="{0D108BD9-81ED-4DB2-BD59-A6C34878D82A}">
-                    <a16:rowId xmlns="" xmlns:a16="http://schemas.microsoft.com/office/drawing/2014/main" val="10009"/>
+                    <a16:rowId xmlns:a16="http://schemas.microsoft.com/office/drawing/2014/main" xmlns="" val="10009"/>
                   </a:ext>
                 </a:extLst>
               </a:tr>
